--- a/Capstone_Presentation_ybdg.pptx
+++ b/Capstone_Presentation_ybdg.pptx
@@ -3116,7 +3116,9 @@
         </p:nvSpPr>
         <p:spPr/>
         <p:txBody>
-          <a:bodyPr/>
+          <a:bodyPr>
+            <a:normAutofit fontScale="90000"/>
+          </a:bodyPr>
           <a:lstStyle/>
           <a:p>
             <a:r>
@@ -3141,30 +3143,34 @@
           <a:lstStyle/>
           <a:p>
             <a:r>
+              <a:rPr dirty="0"/>
               <a:t>Yogi | IBM Data Science Capstone</a:t>
             </a:r>
           </a:p>
           <a:p>
             <a:r>
               <a:rPr dirty="0"/>
-              <a:t>GitHub Repo URL: &lt;</a:t>
-            </a:r>
-            <a:r>
-              <a:rPr dirty="0" err="1"/>
-              <a:t>isi</a:t>
-            </a:r>
-            <a:r>
-              <a:rPr dirty="0"/>
-              <a:t> di </a:t>
-            </a:r>
-            <a:r>
-              <a:rPr dirty="0" err="1"/>
-              <a:t>sini</a:t>
-            </a:r>
-            <a:r>
-              <a:rPr dirty="0"/>
-              <a:t>&gt;</a:t>
-            </a:r>
+              <a:t>GitHub Repo URL:</a:t>
+            </a:r>
+            <a:r>
+              <a:rPr lang="id-ID" dirty="0" err="1">
+                <a:hlinkClick r:id="rId2"/>
+              </a:rPr>
+              <a:t>dvismamedia-afk</a:t>
+            </a:r>
+            <a:r>
+              <a:rPr lang="id-ID" dirty="0">
+                <a:hlinkClick r:id="rId2"/>
+              </a:rPr>
+              <a:t>/</a:t>
+            </a:r>
+            <a:r>
+              <a:rPr lang="id-ID" dirty="0" err="1">
+                <a:hlinkClick r:id="rId2"/>
+              </a:rPr>
+              <a:t>CoursePJ</a:t>
+            </a:r>
+            <a:endParaRPr dirty="0"/>
           </a:p>
         </p:txBody>
       </p:sp>
